--- a/Телеграмм Бот.pptx
+++ b/Телеграмм Бот.pptx
@@ -112,7 +112,7 @@
   </p:defaultTextStyle>
   <p:extLst>
     <p:ext uri="{EFAFB233-063F-42B5-8137-9DF3F51BA10A}">
-      <p15:sldGuideLst xmlns:p15="http://schemas.microsoft.com/office/powerpoint/2012/main"/>
+      <p15:sldGuideLst xmlns:p15="http://schemas.microsoft.com/office/powerpoint/2012/main" xmlns=""/>
     </p:ext>
   </p:extLst>
 </p:presentation>
@@ -309,7 +309,7 @@
           <a:p>
             <a:fld id="{B9464D52-67E0-4920-8182-4B999CF87E0C}" type="datetimeFigureOut">
               <a:rPr lang="ru-RU" smtClean="0"/>
-              <a:t>08.04.2019</a:t>
+              <a:t>19.04.2019</a:t>
             </a:fld>
             <a:endParaRPr lang="ru-RU"/>
           </a:p>
@@ -745,7 +745,7 @@
           <a:p>
             <a:fld id="{B9464D52-67E0-4920-8182-4B999CF87E0C}" type="datetimeFigureOut">
               <a:rPr lang="ru-RU" smtClean="0"/>
-              <a:t>08.04.2019</a:t>
+              <a:t>19.04.2019</a:t>
             </a:fld>
             <a:endParaRPr lang="ru-RU"/>
           </a:p>
@@ -995,7 +995,7 @@
           <a:p>
             <a:fld id="{B9464D52-67E0-4920-8182-4B999CF87E0C}" type="datetimeFigureOut">
               <a:rPr lang="ru-RU" smtClean="0"/>
-              <a:t>08.04.2019</a:t>
+              <a:t>19.04.2019</a:t>
             </a:fld>
             <a:endParaRPr lang="ru-RU"/>
           </a:p>
@@ -1303,7 +1303,7 @@
           <a:p>
             <a:fld id="{B9464D52-67E0-4920-8182-4B999CF87E0C}" type="datetimeFigureOut">
               <a:rPr lang="ru-RU" smtClean="0"/>
-              <a:t>08.04.2019</a:t>
+              <a:t>19.04.2019</a:t>
             </a:fld>
             <a:endParaRPr lang="ru-RU"/>
           </a:p>
@@ -1621,7 +1621,7 @@
           <a:p>
             <a:fld id="{B9464D52-67E0-4920-8182-4B999CF87E0C}" type="datetimeFigureOut">
               <a:rPr lang="ru-RU" smtClean="0"/>
-              <a:t>08.04.2019</a:t>
+              <a:t>19.04.2019</a:t>
             </a:fld>
             <a:endParaRPr lang="ru-RU"/>
           </a:p>
@@ -1923,7 +1923,7 @@
           <a:p>
             <a:fld id="{B9464D52-67E0-4920-8182-4B999CF87E0C}" type="datetimeFigureOut">
               <a:rPr lang="ru-RU" smtClean="0"/>
-              <a:t>08.04.2019</a:t>
+              <a:t>19.04.2019</a:t>
             </a:fld>
             <a:endParaRPr lang="ru-RU"/>
           </a:p>
@@ -2290,7 +2290,7 @@
           <a:p>
             <a:fld id="{B9464D52-67E0-4920-8182-4B999CF87E0C}" type="datetimeFigureOut">
               <a:rPr lang="ru-RU" smtClean="0"/>
-              <a:t>08.04.2019</a:t>
+              <a:t>19.04.2019</a:t>
             </a:fld>
             <a:endParaRPr lang="ru-RU"/>
           </a:p>
@@ -2464,7 +2464,7 @@
           <a:p>
             <a:fld id="{B9464D52-67E0-4920-8182-4B999CF87E0C}" type="datetimeFigureOut">
               <a:rPr lang="ru-RU" smtClean="0"/>
-              <a:t>08.04.2019</a:t>
+              <a:t>19.04.2019</a:t>
             </a:fld>
             <a:endParaRPr lang="ru-RU"/>
           </a:p>
@@ -2644,7 +2644,7 @@
           <a:p>
             <a:fld id="{B9464D52-67E0-4920-8182-4B999CF87E0C}" type="datetimeFigureOut">
               <a:rPr lang="ru-RU" smtClean="0"/>
-              <a:t>08.04.2019</a:t>
+              <a:t>19.04.2019</a:t>
             </a:fld>
             <a:endParaRPr lang="ru-RU"/>
           </a:p>
@@ -2814,7 +2814,7 @@
           <a:p>
             <a:fld id="{B9464D52-67E0-4920-8182-4B999CF87E0C}" type="datetimeFigureOut">
               <a:rPr lang="ru-RU" smtClean="0"/>
-              <a:t>08.04.2019</a:t>
+              <a:t>19.04.2019</a:t>
             </a:fld>
             <a:endParaRPr lang="ru-RU"/>
           </a:p>
@@ -3064,7 +3064,7 @@
           <a:p>
             <a:fld id="{B9464D52-67E0-4920-8182-4B999CF87E0C}" type="datetimeFigureOut">
               <a:rPr lang="ru-RU" smtClean="0"/>
-              <a:t>08.04.2019</a:t>
+              <a:t>19.04.2019</a:t>
             </a:fld>
             <a:endParaRPr lang="ru-RU"/>
           </a:p>
@@ -3300,7 +3300,7 @@
           <a:p>
             <a:fld id="{B9464D52-67E0-4920-8182-4B999CF87E0C}" type="datetimeFigureOut">
               <a:rPr lang="ru-RU" smtClean="0"/>
-              <a:t>08.04.2019</a:t>
+              <a:t>19.04.2019</a:t>
             </a:fld>
             <a:endParaRPr lang="ru-RU"/>
           </a:p>
@@ -3682,7 +3682,7 @@
           <a:p>
             <a:fld id="{B9464D52-67E0-4920-8182-4B999CF87E0C}" type="datetimeFigureOut">
               <a:rPr lang="ru-RU" smtClean="0"/>
-              <a:t>08.04.2019</a:t>
+              <a:t>19.04.2019</a:t>
             </a:fld>
             <a:endParaRPr lang="ru-RU"/>
           </a:p>
@@ -3800,7 +3800,7 @@
           <a:p>
             <a:fld id="{B9464D52-67E0-4920-8182-4B999CF87E0C}" type="datetimeFigureOut">
               <a:rPr lang="ru-RU" smtClean="0"/>
-              <a:t>08.04.2019</a:t>
+              <a:t>19.04.2019</a:t>
             </a:fld>
             <a:endParaRPr lang="ru-RU"/>
           </a:p>
@@ -3895,7 +3895,7 @@
           <a:p>
             <a:fld id="{B9464D52-67E0-4920-8182-4B999CF87E0C}" type="datetimeFigureOut">
               <a:rPr lang="ru-RU" smtClean="0"/>
-              <a:t>08.04.2019</a:t>
+              <a:t>19.04.2019</a:t>
             </a:fld>
             <a:endParaRPr lang="ru-RU"/>
           </a:p>
@@ -4150,7 +4150,7 @@
           <a:p>
             <a:fld id="{B9464D52-67E0-4920-8182-4B999CF87E0C}" type="datetimeFigureOut">
               <a:rPr lang="ru-RU" smtClean="0"/>
-              <a:t>08.04.2019</a:t>
+              <a:t>19.04.2019</a:t>
             </a:fld>
             <a:endParaRPr lang="ru-RU"/>
           </a:p>
@@ -4433,7 +4433,7 @@
           <a:p>
             <a:fld id="{B9464D52-67E0-4920-8182-4B999CF87E0C}" type="datetimeFigureOut">
               <a:rPr lang="ru-RU" smtClean="0"/>
-              <a:t>08.04.2019</a:t>
+              <a:t>19.04.2019</a:t>
             </a:fld>
             <a:endParaRPr lang="ru-RU"/>
           </a:p>
@@ -4839,7 +4839,7 @@
           <a:p>
             <a:fld id="{B9464D52-67E0-4920-8182-4B999CF87E0C}" type="datetimeFigureOut">
               <a:rPr lang="ru-RU" smtClean="0"/>
-              <a:t>08.04.2019</a:t>
+              <a:t>19.04.2019</a:t>
             </a:fld>
             <a:endParaRPr lang="ru-RU"/>
           </a:p>
@@ -5379,7 +5379,7 @@
           <p:cNvPr id="2" name="Заголовок 1">
             <a:extLst>
               <a:ext uri="{FF2B5EF4-FFF2-40B4-BE49-F238E27FC236}">
-                <a16:creationId xmlns:a16="http://schemas.microsoft.com/office/drawing/2014/main" id="{57C69206-EC2F-496A-A193-A8936858B662}"/>
+                <a16:creationId xmlns:a16="http://schemas.microsoft.com/office/drawing/2014/main" xmlns="" id="{57C69206-EC2F-496A-A193-A8936858B662}"/>
               </a:ext>
             </a:extLst>
           </p:cNvPr>
@@ -5419,7 +5419,7 @@
           <p:cNvPr id="3" name="Подзаголовок 2">
             <a:extLst>
               <a:ext uri="{FF2B5EF4-FFF2-40B4-BE49-F238E27FC236}">
-                <a16:creationId xmlns:a16="http://schemas.microsoft.com/office/drawing/2014/main" id="{CC0ABDA2-6DC3-4166-A45B-1DA4BEC87D4D}"/>
+                <a16:creationId xmlns:a16="http://schemas.microsoft.com/office/drawing/2014/main" xmlns="" id="{CC0ABDA2-6DC3-4166-A45B-1DA4BEC87D4D}"/>
               </a:ext>
             </a:extLst>
           </p:cNvPr>
@@ -5797,7 +5797,7 @@
           <p:cNvPr id="2" name="Заголовок 1">
             <a:extLst>
               <a:ext uri="{FF2B5EF4-FFF2-40B4-BE49-F238E27FC236}">
-                <a16:creationId xmlns:a16="http://schemas.microsoft.com/office/drawing/2014/main" id="{21C92AC4-C724-4D51-BC44-C689E2274CBB}"/>
+                <a16:creationId xmlns:a16="http://schemas.microsoft.com/office/drawing/2014/main" xmlns="" id="{21C92AC4-C724-4D51-BC44-C689E2274CBB}"/>
               </a:ext>
             </a:extLst>
           </p:cNvPr>
@@ -5837,7 +5837,7 @@
           <p:cNvPr id="3" name="Объект 2">
             <a:extLst>
               <a:ext uri="{FF2B5EF4-FFF2-40B4-BE49-F238E27FC236}">
-                <a16:creationId xmlns:a16="http://schemas.microsoft.com/office/drawing/2014/main" id="{838C596B-71A3-40BE-946B-2C3AFAA86C8D}"/>
+                <a16:creationId xmlns:a16="http://schemas.microsoft.com/office/drawing/2014/main" xmlns="" id="{838C596B-71A3-40BE-946B-2C3AFAA86C8D}"/>
               </a:ext>
             </a:extLst>
           </p:cNvPr>
@@ -5895,8 +5895,22 @@
               <a:t>Расчёт некоторых математических величин</a:t>
             </a:r>
             <a:r>
-              <a:rPr lang="en-US" dirty="0"/>
+              <a:rPr lang="en-US" dirty="0" smtClean="0"/>
               <a:t>.</a:t>
+            </a:r>
+          </a:p>
+          <a:p>
+            <a:pPr>
+              <a:buFont typeface="Wingdings" panose="05000000000000000000" pitchFamily="2" charset="2"/>
+              <a:buChar char="ü"/>
+            </a:pPr>
+            <a:r>
+              <a:rPr lang="ru-RU" dirty="0" smtClean="0"/>
+              <a:t>Отправка случайных цитат с </a:t>
+            </a:r>
+            <a:r>
+              <a:rPr lang="en-US" dirty="0" smtClean="0"/>
+              <a:t>Bash.im</a:t>
             </a:r>
             <a:endParaRPr lang="ru-RU" dirty="0"/>
           </a:p>
@@ -6318,6 +6332,121 @@
                       </p:childTnLst>
                     </p:cTn>
                   </p:par>
+                  <p:par>
+                    <p:cTn id="29" fill="hold">
+                      <p:stCondLst>
+                        <p:cond delay="indefinite"/>
+                      </p:stCondLst>
+                      <p:childTnLst>
+                        <p:par>
+                          <p:cTn id="30" fill="hold">
+                            <p:stCondLst>
+                              <p:cond delay="0"/>
+                            </p:stCondLst>
+                            <p:childTnLst>
+                              <p:par>
+                                <p:cTn id="31" presetID="42" presetClass="entr" presetSubtype="0" fill="hold" grpId="0" nodeType="clickEffect">
+                                  <p:stCondLst>
+                                    <p:cond delay="0"/>
+                                  </p:stCondLst>
+                                  <p:childTnLst>
+                                    <p:set>
+                                      <p:cBhvr>
+                                        <p:cTn id="32" dur="1" fill="hold">
+                                          <p:stCondLst>
+                                            <p:cond delay="0"/>
+                                          </p:stCondLst>
+                                        </p:cTn>
+                                        <p:tgtEl>
+                                          <p:spTgt spid="3">
+                                            <p:txEl>
+                                              <p:pRg st="3" end="3"/>
+                                            </p:txEl>
+                                          </p:spTgt>
+                                        </p:tgtEl>
+                                        <p:attrNameLst>
+                                          <p:attrName>style.visibility</p:attrName>
+                                        </p:attrNameLst>
+                                      </p:cBhvr>
+                                      <p:to>
+                                        <p:strVal val="visible"/>
+                                      </p:to>
+                                    </p:set>
+                                    <p:animEffect transition="in" filter="fade">
+                                      <p:cBhvr>
+                                        <p:cTn id="33" dur="1000"/>
+                                        <p:tgtEl>
+                                          <p:spTgt spid="3">
+                                            <p:txEl>
+                                              <p:pRg st="3" end="3"/>
+                                            </p:txEl>
+                                          </p:spTgt>
+                                        </p:tgtEl>
+                                      </p:cBhvr>
+                                    </p:animEffect>
+                                    <p:anim calcmode="lin" valueType="num">
+                                      <p:cBhvr>
+                                        <p:cTn id="34" dur="1000" fill="hold"/>
+                                        <p:tgtEl>
+                                          <p:spTgt spid="3">
+                                            <p:txEl>
+                                              <p:pRg st="3" end="3"/>
+                                            </p:txEl>
+                                          </p:spTgt>
+                                        </p:tgtEl>
+                                        <p:attrNameLst>
+                                          <p:attrName>ppt_x</p:attrName>
+                                        </p:attrNameLst>
+                                      </p:cBhvr>
+                                      <p:tavLst>
+                                        <p:tav tm="0">
+                                          <p:val>
+                                            <p:strVal val="#ppt_x"/>
+                                          </p:val>
+                                        </p:tav>
+                                        <p:tav tm="100000">
+                                          <p:val>
+                                            <p:strVal val="#ppt_x"/>
+                                          </p:val>
+                                        </p:tav>
+                                      </p:tavLst>
+                                    </p:anim>
+                                    <p:anim calcmode="lin" valueType="num">
+                                      <p:cBhvr>
+                                        <p:cTn id="35" dur="1000" fill="hold"/>
+                                        <p:tgtEl>
+                                          <p:spTgt spid="3">
+                                            <p:txEl>
+                                              <p:pRg st="3" end="3"/>
+                                            </p:txEl>
+                                          </p:spTgt>
+                                        </p:tgtEl>
+                                        <p:attrNameLst>
+                                          <p:attrName>ppt_y</p:attrName>
+                                        </p:attrNameLst>
+                                      </p:cBhvr>
+                                      <p:tavLst>
+                                        <p:tav tm="0">
+                                          <p:val>
+                                            <p:strVal val="#ppt_y+.1"/>
+                                          </p:val>
+                                        </p:tav>
+                                        <p:tav tm="100000">
+                                          <p:val>
+                                            <p:strVal val="#ppt_y"/>
+                                          </p:val>
+                                        </p:tav>
+                                      </p:tavLst>
+                                    </p:anim>
+                                  </p:childTnLst>
+                                </p:cTn>
+                              </p:par>
+                            </p:childTnLst>
+                          </p:cTn>
+                        </p:par>
+                      </p:childTnLst>
+                    </p:cTn>
+                  </p:par>
                 </p:childTnLst>
               </p:cTn>
               <p:prevCondLst>
@@ -6369,7 +6498,7 @@
           <p:cNvPr id="2" name="Заголовок 1">
             <a:extLst>
               <a:ext uri="{FF2B5EF4-FFF2-40B4-BE49-F238E27FC236}">
-                <a16:creationId xmlns:a16="http://schemas.microsoft.com/office/drawing/2014/main" id="{237A41C6-CD9B-4E56-BAB9-9D849809D1B0}"/>
+                <a16:creationId xmlns:a16="http://schemas.microsoft.com/office/drawing/2014/main" xmlns="" id="{237A41C6-CD9B-4E56-BAB9-9D849809D1B0}"/>
               </a:ext>
             </a:extLst>
           </p:cNvPr>
@@ -6409,7 +6538,7 @@
           <p:cNvPr id="3" name="Объект 2">
             <a:extLst>
               <a:ext uri="{FF2B5EF4-FFF2-40B4-BE49-F238E27FC236}">
-                <a16:creationId xmlns:a16="http://schemas.microsoft.com/office/drawing/2014/main" id="{F16D4624-517E-4095-8C06-6EEB2ACD204C}"/>
+                <a16:creationId xmlns:a16="http://schemas.microsoft.com/office/drawing/2014/main" xmlns="" id="{F16D4624-517E-4095-8C06-6EEB2ACD204C}"/>
               </a:ext>
             </a:extLst>
           </p:cNvPr>
@@ -6519,7 +6648,15 @@
             </a:pPr>
             <a:r>
               <a:rPr lang="ru-RU" dirty="0"/>
-              <a:t>Основная часть проекта – это переводчик и сам бот. Давайте поговорим о них подробнее</a:t>
+              <a:t>Основная часть проекта – это </a:t>
+            </a:r>
+            <a:r>
+              <a:rPr lang="ru-RU" dirty="0" smtClean="0"/>
+              <a:t>переводчик, генератор цитат </a:t>
+            </a:r>
+            <a:r>
+              <a:rPr lang="ru-RU" dirty="0"/>
+              <a:t>и сам бот. Давайте поговорим о них подробнее</a:t>
             </a:r>
           </a:p>
         </p:txBody>
@@ -6890,7 +7027,7 @@
           <p:cNvPr id="2" name="Заголовок 1">
             <a:extLst>
               <a:ext uri="{FF2B5EF4-FFF2-40B4-BE49-F238E27FC236}">
-                <a16:creationId xmlns:a16="http://schemas.microsoft.com/office/drawing/2014/main" id="{7C271DC8-9F3E-434B-BCDA-E9A543FBC95B}"/>
+                <a16:creationId xmlns:a16="http://schemas.microsoft.com/office/drawing/2014/main" xmlns="" id="{7C271DC8-9F3E-434B-BCDA-E9A543FBC95B}"/>
               </a:ext>
             </a:extLst>
           </p:cNvPr>
@@ -6930,7 +7067,7 @@
           <p:cNvPr id="5" name="Объект 4">
             <a:extLst>
               <a:ext uri="{FF2B5EF4-FFF2-40B4-BE49-F238E27FC236}">
-                <a16:creationId xmlns:a16="http://schemas.microsoft.com/office/drawing/2014/main" id="{783F3B8A-670B-4F02-BB80-0D3E87AFD58C}"/>
+                <a16:creationId xmlns:a16="http://schemas.microsoft.com/office/drawing/2014/main" xmlns="" id="{783F3B8A-670B-4F02-BB80-0D3E87AFD58C}"/>
               </a:ext>
             </a:extLst>
           </p:cNvPr>
@@ -7377,7 +7514,7 @@
           <p:cNvPr id="2" name="Заголовок 1">
             <a:extLst>
               <a:ext uri="{FF2B5EF4-FFF2-40B4-BE49-F238E27FC236}">
-                <a16:creationId xmlns:a16="http://schemas.microsoft.com/office/drawing/2014/main" id="{C7A7BF8E-0EF8-4EE8-ADBC-73F8177D9435}"/>
+                <a16:creationId xmlns:a16="http://schemas.microsoft.com/office/drawing/2014/main" xmlns="" id="{C7A7BF8E-0EF8-4EE8-ADBC-73F8177D9435}"/>
               </a:ext>
             </a:extLst>
           </p:cNvPr>
@@ -7417,7 +7554,7 @@
           <p:cNvPr id="5" name="Объект 4">
             <a:extLst>
               <a:ext uri="{FF2B5EF4-FFF2-40B4-BE49-F238E27FC236}">
-                <a16:creationId xmlns:a16="http://schemas.microsoft.com/office/drawing/2014/main" id="{B79123E3-AC75-4258-81A9-F7B095F4DF7E}"/>
+                <a16:creationId xmlns:a16="http://schemas.microsoft.com/office/drawing/2014/main" xmlns="" id="{B79123E3-AC75-4258-81A9-F7B095F4DF7E}"/>
               </a:ext>
             </a:extLst>
           </p:cNvPr>
@@ -7447,14 +7584,14 @@
                 <a:gridCol w="4267200">
                   <a:extLst>
                     <a:ext uri="{9D8B030D-6E8A-4147-A177-3AD203B41FA5}">
-                      <a16:colId xmlns:a16="http://schemas.microsoft.com/office/drawing/2014/main" val="4251029333"/>
+                      <a16:colId xmlns:a16="http://schemas.microsoft.com/office/drawing/2014/main" xmlns="" val="4251029333"/>
                     </a:ext>
                   </a:extLst>
                 </a:gridCol>
                 <a:gridCol w="4267200">
                   <a:extLst>
                     <a:ext uri="{9D8B030D-6E8A-4147-A177-3AD203B41FA5}">
-                      <a16:colId xmlns:a16="http://schemas.microsoft.com/office/drawing/2014/main" val="2118288040"/>
+                      <a16:colId xmlns:a16="http://schemas.microsoft.com/office/drawing/2014/main" xmlns="" val="2118288040"/>
                     </a:ext>
                   </a:extLst>
                 </a:gridCol>
@@ -7498,7 +7635,7 @@
                 </a:tc>
                 <a:extLst>
                   <a:ext uri="{0D108BD9-81ED-4DB2-BD59-A6C34878D82A}">
-                    <a16:rowId xmlns:a16="http://schemas.microsoft.com/office/drawing/2014/main" val="4025862322"/>
+                    <a16:rowId xmlns:a16="http://schemas.microsoft.com/office/drawing/2014/main" xmlns="" val="4025862322"/>
                   </a:ext>
                 </a:extLst>
               </a:tr>
@@ -7540,7 +7677,7 @@
                 </a:tc>
                 <a:extLst>
                   <a:ext uri="{0D108BD9-81ED-4DB2-BD59-A6C34878D82A}">
-                    <a16:rowId xmlns:a16="http://schemas.microsoft.com/office/drawing/2014/main" val="381060450"/>
+                    <a16:rowId xmlns:a16="http://schemas.microsoft.com/office/drawing/2014/main" xmlns="" val="381060450"/>
                   </a:ext>
                 </a:extLst>
               </a:tr>
@@ -7582,7 +7719,7 @@
                 </a:tc>
                 <a:extLst>
                   <a:ext uri="{0D108BD9-81ED-4DB2-BD59-A6C34878D82A}">
-                    <a16:rowId xmlns:a16="http://schemas.microsoft.com/office/drawing/2014/main" val="3853307857"/>
+                    <a16:rowId xmlns:a16="http://schemas.microsoft.com/office/drawing/2014/main" xmlns="" val="3853307857"/>
                   </a:ext>
                 </a:extLst>
               </a:tr>
@@ -7615,7 +7752,7 @@
                 </a:tc>
                 <a:extLst>
                   <a:ext uri="{0D108BD9-81ED-4DB2-BD59-A6C34878D82A}">
-                    <a16:rowId xmlns:a16="http://schemas.microsoft.com/office/drawing/2014/main" val="2144226648"/>
+                    <a16:rowId xmlns:a16="http://schemas.microsoft.com/office/drawing/2014/main" xmlns="" val="2144226648"/>
                   </a:ext>
                 </a:extLst>
               </a:tr>
@@ -7648,7 +7785,7 @@
                 </a:tc>
                 <a:extLst>
                   <a:ext uri="{0D108BD9-81ED-4DB2-BD59-A6C34878D82A}">
-                    <a16:rowId xmlns:a16="http://schemas.microsoft.com/office/drawing/2014/main" val="3868290780"/>
+                    <a16:rowId xmlns:a16="http://schemas.microsoft.com/office/drawing/2014/main" xmlns="" val="3868290780"/>
                   </a:ext>
                 </a:extLst>
               </a:tr>
@@ -7876,7 +8013,7 @@
           <p:cNvPr id="2" name="Заголовок 1">
             <a:extLst>
               <a:ext uri="{FF2B5EF4-FFF2-40B4-BE49-F238E27FC236}">
-                <a16:creationId xmlns:a16="http://schemas.microsoft.com/office/drawing/2014/main" id="{81A1F218-883B-4A2F-BBDA-6E80738AF8F3}"/>
+                <a16:creationId xmlns:a16="http://schemas.microsoft.com/office/drawing/2014/main" xmlns="" id="{81A1F218-883B-4A2F-BBDA-6E80738AF8F3}"/>
               </a:ext>
             </a:extLst>
           </p:cNvPr>
@@ -7916,7 +8053,7 @@
           <p:cNvPr id="3" name="Объект 2">
             <a:extLst>
               <a:ext uri="{FF2B5EF4-FFF2-40B4-BE49-F238E27FC236}">
-                <a16:creationId xmlns:a16="http://schemas.microsoft.com/office/drawing/2014/main" id="{B1DC48D6-73DF-4142-926F-9B796BF36FAA}"/>
+                <a16:creationId xmlns:a16="http://schemas.microsoft.com/office/drawing/2014/main" xmlns="" id="{B1DC48D6-73DF-4142-926F-9B796BF36FAA}"/>
               </a:ext>
             </a:extLst>
           </p:cNvPr>
@@ -8287,7 +8424,7 @@
           <p:cNvPr id="2" name="Заголовок 1">
             <a:extLst>
               <a:ext uri="{FF2B5EF4-FFF2-40B4-BE49-F238E27FC236}">
-                <a16:creationId xmlns:a16="http://schemas.microsoft.com/office/drawing/2014/main" id="{11BBF3C6-2E31-4D8D-9ACD-B35C136E0467}"/>
+                <a16:creationId xmlns:a16="http://schemas.microsoft.com/office/drawing/2014/main" xmlns="" id="{11BBF3C6-2E31-4D8D-9ACD-B35C136E0467}"/>
               </a:ext>
             </a:extLst>
           </p:cNvPr>
@@ -8320,7 +8457,7 @@
           <p:cNvPr id="3" name="Объект 2">
             <a:extLst>
               <a:ext uri="{FF2B5EF4-FFF2-40B4-BE49-F238E27FC236}">
-                <a16:creationId xmlns:a16="http://schemas.microsoft.com/office/drawing/2014/main" id="{6777D7D1-4A13-4D9A-BBA3-FA2F3F7E11B1}"/>
+                <a16:creationId xmlns:a16="http://schemas.microsoft.com/office/drawing/2014/main" xmlns="" id="{6777D7D1-4A13-4D9A-BBA3-FA2F3F7E11B1}"/>
               </a:ext>
             </a:extLst>
           </p:cNvPr>
@@ -8990,7 +9127,7 @@
   <a:extraClrSchemeLst/>
   <a:extLst>
     <a:ext uri="{05A4C25C-085E-4340-85A3-A5531E510DB2}">
-      <thm15:themeFamily xmlns:thm15="http://schemas.microsoft.com/office/thememl/2012/main" name="Slice" id="{0507925B-6AC9-4358-8E18-C330545D08F8}" vid="{13FEC7C6-62A9-40C4-99D2-581AACACAA2F}"/>
+      <thm15:themeFamily xmlns:thm15="http://schemas.microsoft.com/office/thememl/2012/main" xmlns="" name="Slice" id="{0507925B-6AC9-4358-8E18-C330545D08F8}" vid="{13FEC7C6-62A9-40C4-99D2-581AACACAA2F}"/>
     </a:ext>
   </a:extLst>
 </a:theme>
